--- a/Präsentationen/Präsentation 2.pptx
+++ b/Präsentationen/Präsentation 2.pptx
@@ -1200,7 +1200,7 @@
       <dgm:spPr/>
     </dgm:pt>
     <dgm:pt modelId="{7094F326-BCAA-46D4-A889-B898290F5E6A}" type="pres">
-      <dgm:prSet presAssocID="{80C8CA3A-0F82-4ED2-9A29-26E5B1EEADF7}" presName="iconRect" presStyleLbl="node1" presStyleIdx="0" presStyleCnt="3"/>
+      <dgm:prSet presAssocID="{80C8CA3A-0F82-4ED2-9A29-26E5B1EEADF7}" presName="iconRect" presStyleLbl="node1" presStyleIdx="0" presStyleCnt="3" custScaleX="86290" custScaleY="83484"/>
       <dgm:spPr>
         <a:blipFill>
           <a:blip xmlns:r="http://schemas.openxmlformats.org/officeDocument/2006/relationships" r:embed="rId1">
@@ -1208,24 +1208,18 @@
               <a:ext uri="{28A0092B-C50C-407E-A947-70E740481C1C}">
                 <a14:useLocalDpi xmlns:a14="http://schemas.microsoft.com/office/drawing/2010/main" val="0"/>
               </a:ext>
-              <a:ext uri="{96DAC541-7B7A-43D3-8B79-37D633B846F1}">
-                <asvg:svgBlip xmlns:asvg="http://schemas.microsoft.com/office/drawing/2016/SVG/main" r:embed="rId2"/>
-              </a:ext>
             </a:extLst>
           </a:blip>
+          <a:srcRect/>
           <a:stretch>
-            <a:fillRect/>
+            <a:fillRect t="-5000" b="-5000"/>
           </a:stretch>
         </a:blipFill>
         <a:ln>
           <a:noFill/>
         </a:ln>
       </dgm:spPr>
-      <dgm:extLst>
-        <a:ext uri="{E40237B7-FDA0-4F09-8148-C483321AD2D9}">
-          <dgm14:cNvPr xmlns:dgm14="http://schemas.microsoft.com/office/drawing/2010/diagram" id="0" name="" descr="Question mark"/>
-        </a:ext>
-      </dgm:extLst>
+      <dgm:extLst/>
     </dgm:pt>
     <dgm:pt modelId="{2409B011-9484-4F44-B79D-C2A824EAA3B3}" type="pres">
       <dgm:prSet presAssocID="{80C8CA3A-0F82-4ED2-9A29-26E5B1EEADF7}" presName="spaceRect" presStyleCnt="0"/>
@@ -1254,7 +1248,29 @@
     </dgm:pt>
     <dgm:pt modelId="{D2A6A97A-2AAE-4669-9DCD-EE3061367620}" type="pres">
       <dgm:prSet presAssocID="{B1296B25-DEDB-4922-9A75-5CD6D5C4F9D1}" presName="iconRect" presStyleLbl="node1" presStyleIdx="1" presStyleCnt="3"/>
-      <dgm:spPr/>
+      <dgm:spPr>
+        <a:blipFill>
+          <a:blip xmlns:r="http://schemas.openxmlformats.org/officeDocument/2006/relationships" r:embed="rId2">
+            <a:extLst>
+              <a:ext uri="{28A0092B-C50C-407E-A947-70E740481C1C}">
+                <a14:useLocalDpi xmlns:a14="http://schemas.microsoft.com/office/drawing/2010/main" val="0"/>
+              </a:ext>
+              <a:ext uri="{96DAC541-7B7A-43D3-8B79-37D633B846F1}">
+                <asvg:svgBlip xmlns:asvg="http://schemas.microsoft.com/office/drawing/2016/SVG/main" r:embed="rId3"/>
+              </a:ext>
+            </a:extLst>
+          </a:blip>
+          <a:srcRect/>
+          <a:stretch>
+            <a:fillRect/>
+          </a:stretch>
+        </a:blipFill>
+      </dgm:spPr>
+      <dgm:extLst>
+        <a:ext uri="{E40237B7-FDA0-4F09-8148-C483321AD2D9}">
+          <dgm14:cNvPr xmlns:dgm14="http://schemas.microsoft.com/office/drawing/2010/diagram" id="0" name="" descr="Lehrer"/>
+        </a:ext>
+      </dgm:extLst>
     </dgm:pt>
     <dgm:pt modelId="{57CC7FF4-F932-4969-9053-EC56C0BD9C29}" type="pres">
       <dgm:prSet presAssocID="{B1296B25-DEDB-4922-9A75-5CD6D5C4F9D1}" presName="spaceRect" presStyleCnt="0"/>
@@ -1283,7 +1299,29 @@
     </dgm:pt>
     <dgm:pt modelId="{12348EE1-38BD-4AD1-99BF-19BD68681AD8}" type="pres">
       <dgm:prSet presAssocID="{82896348-52D4-49DC-875A-0D5900B8DBA4}" presName="iconRect" presStyleLbl="node1" presStyleIdx="2" presStyleCnt="3"/>
-      <dgm:spPr/>
+      <dgm:spPr>
+        <a:blipFill>
+          <a:blip xmlns:r="http://schemas.openxmlformats.org/officeDocument/2006/relationships" r:embed="rId4">
+            <a:extLst>
+              <a:ext uri="{28A0092B-C50C-407E-A947-70E740481C1C}">
+                <a14:useLocalDpi xmlns:a14="http://schemas.microsoft.com/office/drawing/2010/main" val="0"/>
+              </a:ext>
+              <a:ext uri="{96DAC541-7B7A-43D3-8B79-37D633B846F1}">
+                <asvg:svgBlip xmlns:asvg="http://schemas.microsoft.com/office/drawing/2016/SVG/main" r:embed="rId5"/>
+              </a:ext>
+            </a:extLst>
+          </a:blip>
+          <a:srcRect/>
+          <a:stretch>
+            <a:fillRect/>
+          </a:stretch>
+        </a:blipFill>
+      </dgm:spPr>
+      <dgm:extLst>
+        <a:ext uri="{E40237B7-FDA0-4F09-8148-C483321AD2D9}">
+          <dgm14:cNvPr xmlns:dgm14="http://schemas.microsoft.com/office/drawing/2010/diagram" id="0" name="" descr="Internet"/>
+        </a:ext>
+      </dgm:extLst>
     </dgm:pt>
     <dgm:pt modelId="{779ED739-03E7-453C-8404-8FF851D725DB}" type="pres">
       <dgm:prSet presAssocID="{82896348-52D4-49DC-875A-0D5900B8DBA4}" presName="spaceRect" presStyleCnt="0"/>
@@ -1391,8 +1429,8 @@
       </dsp:nvSpPr>
       <dsp:spPr>
         <a:xfrm>
-          <a:off x="508544" y="378974"/>
-          <a:ext cx="924626" cy="924626"/>
+          <a:off x="571927" y="455330"/>
+          <a:ext cx="797860" cy="771915"/>
         </a:xfrm>
         <a:prstGeom prst="rect">
           <a:avLst/>
@@ -1403,13 +1441,11 @@
               <a:ext uri="{28A0092B-C50C-407E-A947-70E740481C1C}">
                 <a14:useLocalDpi xmlns:a14="http://schemas.microsoft.com/office/drawing/2010/main" val="0"/>
               </a:ext>
-              <a:ext uri="{96DAC541-7B7A-43D3-8B79-37D633B846F1}">
-                <asvg:svgBlip xmlns:asvg="http://schemas.microsoft.com/office/drawing/2016/SVG/main" r:embed="rId2"/>
-              </a:ext>
             </a:extLst>
           </a:blip>
+          <a:srcRect/>
           <a:stretch>
-            <a:fillRect/>
+            <a:fillRect t="-5000" b="-5000"/>
           </a:stretch>
         </a:blipFill>
         <a:ln>
@@ -1547,44 +1583,22 @@
         <a:prstGeom prst="rect">
           <a:avLst/>
         </a:prstGeom>
-        <a:gradFill rotWithShape="0">
-          <a:gsLst>
-            <a:gs pos="0">
-              <a:schemeClr val="bg1">
-                <a:hueOff val="0"/>
-                <a:satOff val="0"/>
-                <a:lumOff val="0"/>
-                <a:alphaOff val="0"/>
-                <a:satMod val="103000"/>
-                <a:lumMod val="102000"/>
-                <a:tint val="94000"/>
-              </a:schemeClr>
-            </a:gs>
-            <a:gs pos="50000">
-              <a:schemeClr val="bg1">
-                <a:hueOff val="0"/>
-                <a:satOff val="0"/>
-                <a:lumOff val="0"/>
-                <a:alphaOff val="0"/>
-                <a:satMod val="110000"/>
-                <a:lumMod val="100000"/>
-                <a:shade val="100000"/>
-              </a:schemeClr>
-            </a:gs>
-            <a:gs pos="100000">
-              <a:schemeClr val="bg1">
-                <a:hueOff val="0"/>
-                <a:satOff val="0"/>
-                <a:lumOff val="0"/>
-                <a:alphaOff val="0"/>
-                <a:lumMod val="99000"/>
-                <a:satMod val="120000"/>
-                <a:shade val="78000"/>
-              </a:schemeClr>
-            </a:gs>
-          </a:gsLst>
-          <a:lin ang="5400000" scaled="0"/>
-        </a:gradFill>
+        <a:blipFill>
+          <a:blip xmlns:r="http://schemas.openxmlformats.org/officeDocument/2006/relationships" r:embed="rId2">
+            <a:extLst>
+              <a:ext uri="{28A0092B-C50C-407E-A947-70E740481C1C}">
+                <a14:useLocalDpi xmlns:a14="http://schemas.microsoft.com/office/drawing/2010/main" val="0"/>
+              </a:ext>
+              <a:ext uri="{96DAC541-7B7A-43D3-8B79-37D633B846F1}">
+                <asvg:svgBlip xmlns:asvg="http://schemas.microsoft.com/office/drawing/2016/SVG/main" r:embed="rId3"/>
+              </a:ext>
+            </a:extLst>
+          </a:blip>
+          <a:srcRect/>
+          <a:stretch>
+            <a:fillRect/>
+          </a:stretch>
+        </a:blipFill>
         <a:ln>
           <a:noFill/>
         </a:ln>
@@ -1719,44 +1733,22 @@
         <a:prstGeom prst="rect">
           <a:avLst/>
         </a:prstGeom>
-        <a:gradFill rotWithShape="0">
-          <a:gsLst>
-            <a:gs pos="0">
-              <a:schemeClr val="bg1">
-                <a:hueOff val="0"/>
-                <a:satOff val="0"/>
-                <a:lumOff val="0"/>
-                <a:alphaOff val="0"/>
-                <a:satMod val="103000"/>
-                <a:lumMod val="102000"/>
-                <a:tint val="94000"/>
-              </a:schemeClr>
-            </a:gs>
-            <a:gs pos="50000">
-              <a:schemeClr val="bg1">
-                <a:hueOff val="0"/>
-                <a:satOff val="0"/>
-                <a:lumOff val="0"/>
-                <a:alphaOff val="0"/>
-                <a:satMod val="110000"/>
-                <a:lumMod val="100000"/>
-                <a:shade val="100000"/>
-              </a:schemeClr>
-            </a:gs>
-            <a:gs pos="100000">
-              <a:schemeClr val="bg1">
-                <a:hueOff val="0"/>
-                <a:satOff val="0"/>
-                <a:lumOff val="0"/>
-                <a:alphaOff val="0"/>
-                <a:lumMod val="99000"/>
-                <a:satMod val="120000"/>
-                <a:shade val="78000"/>
-              </a:schemeClr>
-            </a:gs>
-          </a:gsLst>
-          <a:lin ang="5400000" scaled="0"/>
-        </a:gradFill>
+        <a:blipFill>
+          <a:blip xmlns:r="http://schemas.openxmlformats.org/officeDocument/2006/relationships" r:embed="rId4">
+            <a:extLst>
+              <a:ext uri="{28A0092B-C50C-407E-A947-70E740481C1C}">
+                <a14:useLocalDpi xmlns:a14="http://schemas.microsoft.com/office/drawing/2010/main" val="0"/>
+              </a:ext>
+              <a:ext uri="{96DAC541-7B7A-43D3-8B79-37D633B846F1}">
+                <asvg:svgBlip xmlns:asvg="http://schemas.microsoft.com/office/drawing/2016/SVG/main" r:embed="rId5"/>
+              </a:ext>
+            </a:extLst>
+          </a:blip>
+          <a:srcRect/>
+          <a:stretch>
+            <a:fillRect/>
+          </a:stretch>
+        </a:blipFill>
         <a:ln>
           <a:noFill/>
         </a:ln>
@@ -8345,7 +8337,7 @@
             <p:ph idx="1"/>
             <p:extLst>
               <p:ext uri="{D42A27DB-BD31-4B8C-83A1-F6EECF244321}">
-                <p14:modId xmlns:p14="http://schemas.microsoft.com/office/powerpoint/2010/main" val="1310066710"/>
+                <p14:modId xmlns:p14="http://schemas.microsoft.com/office/powerpoint/2010/main" val="3007487729"/>
               </p:ext>
             </p:extLst>
           </p:nvPr>
@@ -10706,27 +10698,8 @@
                 <a:ea typeface="+mj-ea"/>
                 <a:cs typeface="+mj-cs"/>
               </a:rPr>
-              <a:t>Anpassung des </a:t>
-            </a:r>
-            <a:r>
-              <a:rPr lang="de-DE" sz="2600" kern="1200" dirty="0" err="1">
-                <a:solidFill>
-                  <a:srgbClr val="FFFFFF"/>
-                </a:solidFill>
-                <a:latin typeface="+mj-lt"/>
-                <a:ea typeface="+mj-ea"/>
-                <a:cs typeface="+mj-cs"/>
-              </a:rPr>
-              <a:t>Curriclum</a:t>
-            </a:r>
-            <a:endParaRPr lang="de-DE" sz="2600" kern="1200" dirty="0">
-              <a:solidFill>
-                <a:srgbClr val="FFFFFF"/>
-              </a:solidFill>
-              <a:latin typeface="+mj-lt"/>
-              <a:ea typeface="+mj-ea"/>
-              <a:cs typeface="+mj-cs"/>
-            </a:endParaRPr>
+              <a:t>Anpassung des Curriculum</a:t>
+            </a:r>
           </a:p>
         </p:txBody>
       </p:sp>

--- a/Präsentationen/Präsentation 2.pptx
+++ b/Präsentationen/Präsentation 2.pptx
@@ -3744,6 +3744,93 @@
 </p:notes>
 </file>
 
+<file path=ppt/notesSlides/notesSlide3.xml><?xml version="1.0" encoding="utf-8"?>
+<p:notes xmlns:a="http://schemas.openxmlformats.org/drawingml/2006/main" xmlns:r="http://schemas.openxmlformats.org/officeDocument/2006/relationships" xmlns:p="http://schemas.openxmlformats.org/presentationml/2006/main">
+  <p:cSld>
+    <p:spTree>
+      <p:nvGrpSpPr>
+        <p:cNvPr id="1" name=""/>
+        <p:cNvGrpSpPr/>
+        <p:nvPr/>
+      </p:nvGrpSpPr>
+      <p:grpSpPr>
+        <a:xfrm>
+          <a:off x="0" y="0"/>
+          <a:ext cx="0" cy="0"/>
+          <a:chOff x="0" y="0"/>
+          <a:chExt cx="0" cy="0"/>
+        </a:xfrm>
+      </p:grpSpPr>
+      <p:sp>
+        <p:nvSpPr>
+          <p:cNvPr id="2" name="Folienbildplatzhalter 1"/>
+          <p:cNvSpPr>
+            <a:spLocks noGrp="1" noRot="1" noChangeAspect="1"/>
+          </p:cNvSpPr>
+          <p:nvPr>
+            <p:ph type="sldImg"/>
+          </p:nvPr>
+        </p:nvSpPr>
+        <p:spPr/>
+      </p:sp>
+      <p:sp>
+        <p:nvSpPr>
+          <p:cNvPr id="3" name="Notizenplatzhalter 2"/>
+          <p:cNvSpPr>
+            <a:spLocks noGrp="1"/>
+          </p:cNvSpPr>
+          <p:nvPr>
+            <p:ph type="body" idx="1"/>
+          </p:nvPr>
+        </p:nvSpPr>
+        <p:spPr/>
+        <p:txBody>
+          <a:bodyPr/>
+          <a:lstStyle/>
+          <a:p>
+            <a:r>
+              <a:rPr lang="de-DE" dirty="0"/>
+              <a:t>Wo kommt das Problem her? </a:t>
+            </a:r>
+          </a:p>
+        </p:txBody>
+      </p:sp>
+      <p:sp>
+        <p:nvSpPr>
+          <p:cNvPr id="4" name="Foliennummernplatzhalter 3"/>
+          <p:cNvSpPr>
+            <a:spLocks noGrp="1"/>
+          </p:cNvSpPr>
+          <p:nvPr>
+            <p:ph type="sldNum" sz="quarter" idx="5"/>
+          </p:nvPr>
+        </p:nvSpPr>
+        <p:spPr/>
+        <p:txBody>
+          <a:bodyPr/>
+          <a:lstStyle/>
+          <a:p>
+            <a:fld id="{EA8FCDDD-52CA-42E1-B33C-5CA35827E53B}" type="slidenum">
+              <a:rPr lang="de-DE" smtClean="0"/>
+              <a:t>3</a:t>
+            </a:fld>
+            <a:endParaRPr lang="de-DE"/>
+          </a:p>
+        </p:txBody>
+      </p:sp>
+    </p:spTree>
+    <p:extLst>
+      <p:ext uri="{BB962C8B-B14F-4D97-AF65-F5344CB8AC3E}">
+        <p14:creationId xmlns:p14="http://schemas.microsoft.com/office/powerpoint/2010/main" val="749620045"/>
+      </p:ext>
+    </p:extLst>
+  </p:cSld>
+  <p:clrMapOvr>
+    <a:masterClrMapping/>
+  </p:clrMapOvr>
+</p:notes>
+</file>
+
 <file path=ppt/slideLayouts/slideLayout1.xml><?xml version="1.0" encoding="utf-8"?>
 <p:sldLayout xmlns:a="http://schemas.openxmlformats.org/drawingml/2006/main" xmlns:r="http://schemas.openxmlformats.org/officeDocument/2006/relationships" xmlns:p="http://schemas.openxmlformats.org/presentationml/2006/main" type="title" preserve="1">
   <p:cSld name="Titelfolie">
@@ -8585,7 +8672,7 @@
           <p:nvPr/>
         </p:nvPicPr>
         <p:blipFill>
-          <a:blip r:embed="rId2">
+          <a:blip r:embed="rId3">
             <a:extLst>
               <a:ext uri="{28A0092B-C50C-407E-A947-70E740481C1C}">
                 <a14:useLocalDpi xmlns:a14="http://schemas.microsoft.com/office/drawing/2010/main" val="0"/>
@@ -9635,7 +9722,7 @@
           <a:p>
             <a:pPr algn="ctr"/>
             <a:r>
-              <a:rPr lang="en-US" sz="2600" kern="1200" dirty="0">
+              <a:rPr lang="en-US" sz="2000" kern="1200" dirty="0" err="1">
                 <a:solidFill>
                   <a:srgbClr val="FFFFFF"/>
                 </a:solidFill>
@@ -9643,8 +9730,24 @@
                 <a:ea typeface="+mj-ea"/>
                 <a:cs typeface="+mj-cs"/>
               </a:rPr>
-              <a:t>Top Issues</a:t>
-            </a:r>
+              <a:t>Umfrage</a:t>
+            </a:r>
+            <a:r>
+              <a:rPr lang="en-US" sz="2000" dirty="0" err="1">
+                <a:solidFill>
+                  <a:srgbClr val="FFFFFF"/>
+                </a:solidFill>
+              </a:rPr>
+              <a:t>ergebnisse</a:t>
+            </a:r>
+            <a:endParaRPr lang="en-US" sz="2000" kern="1200" dirty="0">
+              <a:solidFill>
+                <a:srgbClr val="FFFFFF"/>
+              </a:solidFill>
+              <a:latin typeface="+mj-lt"/>
+              <a:ea typeface="+mj-ea"/>
+              <a:cs typeface="+mj-cs"/>
+            </a:endParaRPr>
           </a:p>
         </p:txBody>
       </p:sp>
